--- a/19.Vapor-Compression Cycles.pptx
+++ b/19.Vapor-Compression Cycles.pptx
@@ -6391,7 +6391,7 @@
               <a:rPr lang="en-US" sz="2400" kern="0" dirty="0">
                 <a:hlinkClick r:id="rId3"/>
               </a:rPr>
-              <a:t>Example 1</a:t>
+              <a:t>Solution</a:t>
             </a:r>
             <a:endParaRPr lang="en-US" sz="2400" kern="0" dirty="0">
               <a:latin typeface="Arial"/>
@@ -7176,7 +7176,7 @@
               <a:rPr lang="en-US" sz="2400" kern="0" dirty="0">
                 <a:hlinkClick r:id="rId3"/>
               </a:rPr>
-              <a:t>Example 2</a:t>
+              <a:t>Solution</a:t>
             </a:r>
             <a:endParaRPr lang="en-US" sz="2400" kern="0" dirty="0">
               <a:latin typeface="Arial"/>
